--- a/classes/CIS312/project/outline_week6.pptx
+++ b/classes/CIS312/project/outline_week6.pptx
@@ -14,16 +14,18 @@
     <p:sldId id="269" r:id="rId8"/>
     <p:sldId id="268" r:id="rId9"/>
     <p:sldId id="271" r:id="rId10"/>
-    <p:sldId id="270" r:id="rId11"/>
-    <p:sldId id="260" r:id="rId12"/>
-    <p:sldId id="263" r:id="rId13"/>
-    <p:sldId id="264" r:id="rId14"/>
-    <p:sldId id="265" r:id="rId15"/>
-    <p:sldId id="266" r:id="rId16"/>
-    <p:sldId id="273" r:id="rId17"/>
-    <p:sldId id="274" r:id="rId18"/>
-    <p:sldId id="275" r:id="rId19"/>
-    <p:sldId id="276" r:id="rId20"/>
+    <p:sldId id="277" r:id="rId11"/>
+    <p:sldId id="278" r:id="rId12"/>
+    <p:sldId id="270" r:id="rId13"/>
+    <p:sldId id="260" r:id="rId14"/>
+    <p:sldId id="263" r:id="rId15"/>
+    <p:sldId id="264" r:id="rId16"/>
+    <p:sldId id="265" r:id="rId17"/>
+    <p:sldId id="266" r:id="rId18"/>
+    <p:sldId id="273" r:id="rId19"/>
+    <p:sldId id="274" r:id="rId20"/>
+    <p:sldId id="275" r:id="rId21"/>
+    <p:sldId id="276" r:id="rId22"/>
   </p:sldIdLst>
   <p:sldSz cx="12192000" cy="6858000"/>
   <p:notesSz cx="6858000" cy="9144000"/>
@@ -144,48 +146,6 @@
 
 <file path=ppt/comments/comment1.xml><?xml version="1.0" encoding="utf-8"?>
 <p:cmLst xmlns:a="http://schemas.openxmlformats.org/drawingml/2006/main" xmlns:r="http://schemas.openxmlformats.org/officeDocument/2006/relationships" xmlns:p="http://schemas.openxmlformats.org/presentationml/2006/main">
-  <p:cm authorId="1" dt="2020-03-22T20:46:06.346" idx="5">
-    <p:pos x="6976" y="1024"/>
-    <p:text>Need to list out customers or market cap?</p:text>
-    <p:extLst>
-      <p:ext uri="{C676402C-5697-4E1C-873F-D02D1690AC5C}">
-        <p15:threadingInfo xmlns:p15="http://schemas.microsoft.com/office/powerpoint/2012/main" timeZoneBias="300"/>
-      </p:ext>
-    </p:extLst>
-  </p:cm>
-</p:cmLst>
-</file>
-
-<file path=ppt/comments/comment2.xml><?xml version="1.0" encoding="utf-8"?>
-<p:cmLst xmlns:a="http://schemas.openxmlformats.org/drawingml/2006/main" xmlns:r="http://schemas.openxmlformats.org/officeDocument/2006/relationships" xmlns:p="http://schemas.openxmlformats.org/presentationml/2006/main">
-  <p:cm authorId="1" dt="2020-03-22T20:46:21.732" idx="6">
-    <p:pos x="7136" y="736"/>
-    <p:text>Leaving filler in because it seems rude to jump right in.  Is this actually needed?  Everyone I would be presenting this to is probably familiar with the IDI....</p:text>
-    <p:extLst>
-      <p:ext uri="{C676402C-5697-4E1C-873F-D02D1690AC5C}">
-        <p15:threadingInfo xmlns:p15="http://schemas.microsoft.com/office/powerpoint/2012/main" timeZoneBias="300"/>
-      </p:ext>
-    </p:extLst>
-  </p:cm>
-</p:cmLst>
-</file>
-
-<file path=ppt/comments/comment3.xml><?xml version="1.0" encoding="utf-8"?>
-<p:cmLst xmlns:a="http://schemas.openxmlformats.org/drawingml/2006/main" xmlns:r="http://schemas.openxmlformats.org/officeDocument/2006/relationships" xmlns:p="http://schemas.openxmlformats.org/presentationml/2006/main">
-  <p:cm authorId="1" dt="2020-03-22T21:05:29.947" idx="7">
-    <p:pos x="7214" y="1109"/>
-    <p:text>No real clear idea on how to tackle the Problem Scope.  I figure the customer tells us the target and we just parrot it back to them to show we understand what it is they want.  The consultant ju-jitsu comes in the recommendation section, right?</p:text>
-    <p:extLst>
-      <p:ext uri="{C676402C-5697-4E1C-873F-D02D1690AC5C}">
-        <p15:threadingInfo xmlns:p15="http://schemas.microsoft.com/office/powerpoint/2012/main" timeZoneBias="300"/>
-      </p:ext>
-    </p:extLst>
-  </p:cm>
-</p:cmLst>
-</file>
-
-<file path=ppt/comments/comment4.xml><?xml version="1.0" encoding="utf-8"?>
-<p:cmLst xmlns:a="http://schemas.openxmlformats.org/drawingml/2006/main" xmlns:r="http://schemas.openxmlformats.org/officeDocument/2006/relationships" xmlns:p="http://schemas.openxmlformats.org/presentationml/2006/main">
   <p:cm authorId="1" dt="2020-03-22T21:08:31.809" idx="8">
     <p:pos x="7171" y="1109"/>
     <p:text>Enumerating through each country seems like a waste for powerpoint.  Not sure how I would best convey how hetrogenous their setup is across their locations</p:text>
@@ -1608,7 +1568,7 @@
             <a:fld id="{48A87A34-81AB-432B-8DAE-1953F412C126}" type="datetimeFigureOut">
               <a:rPr lang="en-US" dirty="0"/>
               <a:pPr/>
-              <a:t>3/22/20</a:t>
+              <a:t>4/11/20</a:t>
             </a:fld>
             <a:endParaRPr lang="en-US" dirty="0"/>
           </a:p>
@@ -3062,7 +3022,7 @@
           <a:p>
             <a:fld id="{48A87A34-81AB-432B-8DAE-1953F412C126}" type="datetimeFigureOut">
               <a:rPr lang="en-US" dirty="0"/>
-              <a:t>3/22/20</a:t>
+              <a:t>4/11/20</a:t>
             </a:fld>
             <a:endParaRPr lang="en-US" dirty="0"/>
           </a:p>
@@ -4510,7 +4470,7 @@
           <a:p>
             <a:fld id="{48A87A34-81AB-432B-8DAE-1953F412C126}" type="datetimeFigureOut">
               <a:rPr lang="en-US" dirty="0"/>
-              <a:t>3/22/20</a:t>
+              <a:t>4/11/20</a:t>
             </a:fld>
             <a:endParaRPr lang="en-US" dirty="0"/>
           </a:p>
@@ -5960,7 +5920,7 @@
           <a:p>
             <a:fld id="{48A87A34-81AB-432B-8DAE-1953F412C126}" type="datetimeFigureOut">
               <a:rPr lang="en-US" dirty="0"/>
-              <a:t>3/22/20</a:t>
+              <a:t>4/11/20</a:t>
             </a:fld>
             <a:endParaRPr lang="en-US" dirty="0"/>
           </a:p>
@@ -7463,7 +7423,7 @@
           <a:p>
             <a:fld id="{48A87A34-81AB-432B-8DAE-1953F412C126}" type="datetimeFigureOut">
               <a:rPr lang="en-US" dirty="0"/>
-              <a:t>3/22/20</a:t>
+              <a:t>4/11/20</a:t>
             </a:fld>
             <a:endParaRPr lang="en-US" dirty="0"/>
           </a:p>
@@ -8979,7 +8939,7 @@
           <a:p>
             <a:fld id="{48A87A34-81AB-432B-8DAE-1953F412C126}" type="datetimeFigureOut">
               <a:rPr lang="en-US" dirty="0"/>
-              <a:t>3/22/20</a:t>
+              <a:t>4/11/20</a:t>
             </a:fld>
             <a:endParaRPr lang="en-US" dirty="0"/>
           </a:p>
@@ -10639,7 +10599,7 @@
           <a:p>
             <a:fld id="{48A87A34-81AB-432B-8DAE-1953F412C126}" type="datetimeFigureOut">
               <a:rPr lang="en-US" dirty="0"/>
-              <a:t>3/22/20</a:t>
+              <a:t>4/11/20</a:t>
             </a:fld>
             <a:endParaRPr lang="en-US" dirty="0"/>
           </a:p>
@@ -12032,7 +11992,7 @@
           <a:p>
             <a:fld id="{48A87A34-81AB-432B-8DAE-1953F412C126}" type="datetimeFigureOut">
               <a:rPr lang="en-US" dirty="0"/>
-              <a:t>3/22/20</a:t>
+              <a:t>4/11/20</a:t>
             </a:fld>
             <a:endParaRPr lang="en-US" dirty="0"/>
           </a:p>
@@ -12127,7 +12087,7 @@
           <a:p>
             <a:fld id="{48A87A34-81AB-432B-8DAE-1953F412C126}" type="datetimeFigureOut">
               <a:rPr lang="en-US" dirty="0"/>
-              <a:t>3/22/20</a:t>
+              <a:t>4/11/20</a:t>
             </a:fld>
             <a:endParaRPr lang="en-US" dirty="0"/>
           </a:p>
@@ -13648,7 +13608,7 @@
           <a:p>
             <a:fld id="{48A87A34-81AB-432B-8DAE-1953F412C126}" type="datetimeFigureOut">
               <a:rPr lang="en-US" dirty="0"/>
-              <a:t>3/22/20</a:t>
+              <a:t>4/11/20</a:t>
             </a:fld>
             <a:endParaRPr lang="en-US" dirty="0"/>
           </a:p>
@@ -15179,7 +15139,7 @@
           <a:p>
             <a:fld id="{48A87A34-81AB-432B-8DAE-1953F412C126}" type="datetimeFigureOut">
               <a:rPr lang="en-US" dirty="0"/>
-              <a:t>3/22/20</a:t>
+              <a:t>4/11/20</a:t>
             </a:fld>
             <a:endParaRPr lang="en-US" dirty="0"/>
           </a:p>
@@ -15398,7 +15358,7 @@
             <a:fld id="{48A87A34-81AB-432B-8DAE-1953F412C126}" type="datetimeFigureOut">
               <a:rPr lang="en-US" dirty="0"/>
               <a:pPr/>
-              <a:t>3/22/20</a:t>
+              <a:t>4/11/20</a:t>
             </a:fld>
             <a:endParaRPr lang="en-US" dirty="0"/>
           </a:p>
@@ -15957,7 +15917,7 @@
           <p:cNvPr id="2" name="Title 1">
             <a:extLst>
               <a:ext uri="{FF2B5EF4-FFF2-40B4-BE49-F238E27FC236}">
-                <a16:creationId xmlns:a16="http://schemas.microsoft.com/office/drawing/2014/main" id="{F41AB03E-EE8F-D64D-9CA4-D30E10EB95B7}"/>
+                <a16:creationId xmlns:a16="http://schemas.microsoft.com/office/drawing/2014/main" id="{4902C97E-0911-F746-ABF4-DAEA7B50CAF4}"/>
               </a:ext>
             </a:extLst>
           </p:cNvPr>
@@ -15975,40 +15935,111 @@
           <a:p>
             <a:r>
               <a:rPr lang="en-US" dirty="0"/>
-              <a:t>Areas of Focus and Recommendations</a:t>
+              <a:t>Sao Paulo</a:t>
+            </a:r>
+            <a:br>
+              <a:rPr lang="en-US" dirty="0"/>
+            </a:br>
+            <a:r>
+              <a:rPr lang="en-US" dirty="0"/>
+              <a:t>Brazil</a:t>
             </a:r>
           </a:p>
         </p:txBody>
       </p:sp>
       <p:sp>
         <p:nvSpPr>
-          <p:cNvPr id="3" name="Text Placeholder 2">
+          <p:cNvPr id="5" name="TextBox 4">
             <a:extLst>
               <a:ext uri="{FF2B5EF4-FFF2-40B4-BE49-F238E27FC236}">
-                <a16:creationId xmlns:a16="http://schemas.microsoft.com/office/drawing/2014/main" id="{776EC9E8-49AF-DC4A-8D10-3417DCF78C78}"/>
+                <a16:creationId xmlns:a16="http://schemas.microsoft.com/office/drawing/2014/main" id="{27C25831-5C84-B64F-82E1-11657CC29554}"/>
               </a:ext>
             </a:extLst>
           </p:cNvPr>
-          <p:cNvSpPr>
-            <a:spLocks noGrp="1"/>
-          </p:cNvSpPr>
-          <p:nvPr>
-            <p:ph type="body" idx="1"/>
-          </p:nvPr>
+          <p:cNvSpPr txBox="1"/>
+          <p:nvPr/>
         </p:nvSpPr>
-        <p:spPr/>
+        <p:spPr>
+          <a:xfrm>
+            <a:off x="4933507" y="2274838"/>
+            <a:ext cx="6369861" cy="2308324"/>
+          </a:xfrm>
+          <a:prstGeom prst="rect">
+            <a:avLst/>
+          </a:prstGeom>
+          <a:noFill/>
+        </p:spPr>
         <p:txBody>
-          <a:bodyPr/>
+          <a:bodyPr wrap="square" rtlCol="0">
+            <a:spAutoFit/>
+          </a:bodyPr>
           <a:lstStyle/>
           <a:p>
-            <a:endParaRPr lang="en-US"/>
+            <a:pPr marL="342900" indent="-342900">
+              <a:buFont typeface="Arial" panose="020B0604020202020204" pitchFamily="34" charset="0"/>
+              <a:buChar char="•"/>
+            </a:pPr>
+            <a:r>
+              <a:rPr lang="en-US" sz="2400" dirty="0"/>
+              <a:t>Vendor SLA’s lacking.</a:t>
+            </a:r>
+          </a:p>
+          <a:p>
+            <a:pPr marL="342900" indent="-342900">
+              <a:buFont typeface="Arial" panose="020B0604020202020204" pitchFamily="34" charset="0"/>
+              <a:buChar char="•"/>
+            </a:pPr>
+            <a:r>
+              <a:rPr lang="en-US" sz="2400" dirty="0"/>
+              <a:t>Vendor depth of expertise is lacking.</a:t>
+            </a:r>
+          </a:p>
+          <a:p>
+            <a:pPr marL="342900" indent="-342900">
+              <a:buFont typeface="Arial" panose="020B0604020202020204" pitchFamily="34" charset="0"/>
+              <a:buChar char="•"/>
+            </a:pPr>
+            <a:r>
+              <a:rPr lang="en-US" sz="2400" dirty="0"/>
+              <a:t>VPN shared credential by all users.</a:t>
+            </a:r>
+          </a:p>
+          <a:p>
+            <a:pPr marL="342900" indent="-342900">
+              <a:buFont typeface="Arial" panose="020B0604020202020204" pitchFamily="34" charset="0"/>
+              <a:buChar char="•"/>
+            </a:pPr>
+            <a:r>
+              <a:rPr lang="en-US" sz="2400" dirty="0"/>
+              <a:t>VPN credentials lacking in complexity.</a:t>
+            </a:r>
+          </a:p>
+          <a:p>
+            <a:pPr marL="342900" indent="-342900">
+              <a:buFont typeface="Arial" panose="020B0604020202020204" pitchFamily="34" charset="0"/>
+              <a:buChar char="•"/>
+            </a:pPr>
+            <a:r>
+              <a:rPr lang="en-US" sz="2400" dirty="0"/>
+              <a:t>Lack of user elevation policy enforcement</a:t>
+            </a:r>
+          </a:p>
+          <a:p>
+            <a:pPr marL="342900" indent="-342900">
+              <a:buFont typeface="Arial" panose="020B0604020202020204" pitchFamily="34" charset="0"/>
+              <a:buChar char="•"/>
+            </a:pPr>
+            <a:r>
+              <a:rPr lang="en-US" sz="2400" dirty="0"/>
+              <a:t>No anti-virus or malware installed</a:t>
+            </a:r>
           </a:p>
         </p:txBody>
       </p:sp>
     </p:spTree>
     <p:extLst>
       <p:ext uri="{BB962C8B-B14F-4D97-AF65-F5344CB8AC3E}">
-        <p14:creationId xmlns:p14="http://schemas.microsoft.com/office/powerpoint/2010/main" val="2606903314"/>
+        <p14:creationId xmlns:p14="http://schemas.microsoft.com/office/powerpoint/2010/main" val="1987758946"/>
       </p:ext>
     </p:extLst>
   </p:cSld>
@@ -16040,7 +16071,7 @@
           <p:cNvPr id="2" name="Title 1">
             <a:extLst>
               <a:ext uri="{FF2B5EF4-FFF2-40B4-BE49-F238E27FC236}">
-                <a16:creationId xmlns:a16="http://schemas.microsoft.com/office/drawing/2014/main" id="{61D32DA8-841D-C341-8345-9340D232D6C3}"/>
+                <a16:creationId xmlns:a16="http://schemas.microsoft.com/office/drawing/2014/main" id="{4902C97E-0911-F746-ABF4-DAEA7B50CAF4}"/>
               </a:ext>
             </a:extLst>
           </p:cNvPr>
@@ -16058,47 +16089,123 @@
           <a:p>
             <a:r>
               <a:rPr lang="en-US" dirty="0"/>
-              <a:t>Security Tech Debt</a:t>
+              <a:t>Warsaw</a:t>
+            </a:r>
+            <a:br>
+              <a:rPr lang="en-US" dirty="0"/>
+            </a:br>
+            <a:r>
+              <a:rPr lang="en-US" dirty="0"/>
+              <a:t>Poland</a:t>
             </a:r>
           </a:p>
         </p:txBody>
       </p:sp>
       <p:sp>
         <p:nvSpPr>
-          <p:cNvPr id="3" name="Content Placeholder 2">
+          <p:cNvPr id="5" name="TextBox 4">
             <a:extLst>
               <a:ext uri="{FF2B5EF4-FFF2-40B4-BE49-F238E27FC236}">
-                <a16:creationId xmlns:a16="http://schemas.microsoft.com/office/drawing/2014/main" id="{EBD69B11-5B9C-394B-98B5-E293C22B9C47}"/>
+                <a16:creationId xmlns:a16="http://schemas.microsoft.com/office/drawing/2014/main" id="{27C25831-5C84-B64F-82E1-11657CC29554}"/>
               </a:ext>
             </a:extLst>
           </p:cNvPr>
-          <p:cNvSpPr>
-            <a:spLocks noGrp="1"/>
-          </p:cNvSpPr>
-          <p:nvPr>
-            <p:ph idx="1"/>
-          </p:nvPr>
+          <p:cNvSpPr txBox="1"/>
+          <p:nvPr/>
         </p:nvSpPr>
-        <p:spPr/>
+        <p:spPr>
+          <a:xfrm>
+            <a:off x="4933507" y="2274838"/>
+            <a:ext cx="6369861" cy="3046988"/>
+          </a:xfrm>
+          <a:prstGeom prst="rect">
+            <a:avLst/>
+          </a:prstGeom>
+          <a:noFill/>
+        </p:spPr>
         <p:txBody>
-          <a:bodyPr/>
+          <a:bodyPr wrap="square" rtlCol="0">
+            <a:spAutoFit/>
+          </a:bodyPr>
           <a:lstStyle/>
           <a:p>
+            <a:pPr marL="342900" indent="-342900">
+              <a:buFont typeface="Arial" panose="020B0604020202020204" pitchFamily="34" charset="0"/>
+              <a:buChar char="•"/>
+            </a:pPr>
             <a:r>
-              <a:rPr lang="en-US" dirty="0"/>
-              <a:t>CMDB for inventory</a:t>
+              <a:rPr lang="en-US" sz="2400" dirty="0"/>
+              <a:t>Compute capacity</a:t>
             </a:r>
           </a:p>
           <a:p>
+            <a:pPr marL="342900" indent="-342900">
+              <a:buFont typeface="Arial" panose="020B0604020202020204" pitchFamily="34" charset="0"/>
+              <a:buChar char="•"/>
+            </a:pPr>
             <a:r>
-              <a:rPr lang="en-US" dirty="0"/>
-              <a:t>Patch automation</a:t>
+              <a:rPr lang="en-US" sz="2400" dirty="0"/>
+              <a:t>S&amp;S lack of integration and EOL</a:t>
             </a:r>
           </a:p>
           <a:p>
+            <a:pPr marL="342900" indent="-342900">
+              <a:buFont typeface="Arial" panose="020B0604020202020204" pitchFamily="34" charset="0"/>
+              <a:buChar char="•"/>
+            </a:pPr>
             <a:r>
-              <a:rPr lang="en-US" dirty="0"/>
-              <a:t>EOL infrastructure remediation plan</a:t>
+              <a:rPr lang="en-US" sz="2400" dirty="0"/>
+              <a:t>WAN access redundancy and scale</a:t>
+            </a:r>
+          </a:p>
+          <a:p>
+            <a:pPr marL="342900" indent="-342900">
+              <a:buFont typeface="Arial" panose="020B0604020202020204" pitchFamily="34" charset="0"/>
+              <a:buChar char="•"/>
+            </a:pPr>
+            <a:r>
+              <a:rPr lang="en-US" sz="2400" dirty="0"/>
+              <a:t>Unmonitored access JV and SA partners</a:t>
+            </a:r>
+          </a:p>
+          <a:p>
+            <a:pPr marL="342900" indent="-342900">
+              <a:buFont typeface="Arial" panose="020B0604020202020204" pitchFamily="34" charset="0"/>
+              <a:buChar char="•"/>
+            </a:pPr>
+            <a:r>
+              <a:rPr lang="en-US" sz="2400" dirty="0"/>
+              <a:t>Employee public WIFI protection</a:t>
+            </a:r>
+          </a:p>
+          <a:p>
+            <a:pPr marL="342900" indent="-342900">
+              <a:buFont typeface="Arial" panose="020B0604020202020204" pitchFamily="34" charset="0"/>
+              <a:buChar char="•"/>
+            </a:pPr>
+            <a:r>
+              <a:rPr lang="en-US" sz="2400" dirty="0"/>
+              <a:t>Telecommunications</a:t>
+            </a:r>
+          </a:p>
+          <a:p>
+            <a:pPr marL="342900" indent="-342900">
+              <a:buFont typeface="Arial" panose="020B0604020202020204" pitchFamily="34" charset="0"/>
+              <a:buChar char="•"/>
+            </a:pPr>
+            <a:r>
+              <a:rPr lang="en-US" sz="2400" dirty="0"/>
+              <a:t>Staffing skillset</a:t>
+            </a:r>
+          </a:p>
+          <a:p>
+            <a:pPr marL="342900" indent="-342900">
+              <a:buFont typeface="Arial" panose="020B0604020202020204" pitchFamily="34" charset="0"/>
+              <a:buChar char="•"/>
+            </a:pPr>
+            <a:r>
+              <a:rPr lang="en-US" sz="2400" dirty="0"/>
+              <a:t>Audit of financial controls lacking</a:t>
             </a:r>
           </a:p>
         </p:txBody>
@@ -16106,7 +16213,7 @@
     </p:spTree>
     <p:extLst>
       <p:ext uri="{BB962C8B-B14F-4D97-AF65-F5344CB8AC3E}">
-        <p14:creationId xmlns:p14="http://schemas.microsoft.com/office/powerpoint/2010/main" val="2052733575"/>
+        <p14:creationId xmlns:p14="http://schemas.microsoft.com/office/powerpoint/2010/main" val="3745437768"/>
       </p:ext>
     </p:extLst>
   </p:cSld>
@@ -16138,7 +16245,7 @@
           <p:cNvPr id="2" name="Title 1">
             <a:extLst>
               <a:ext uri="{FF2B5EF4-FFF2-40B4-BE49-F238E27FC236}">
-                <a16:creationId xmlns:a16="http://schemas.microsoft.com/office/drawing/2014/main" id="{61D32DA8-841D-C341-8345-9340D232D6C3}"/>
+                <a16:creationId xmlns:a16="http://schemas.microsoft.com/office/drawing/2014/main" id="{F41AB03E-EE8F-D64D-9CA4-D30E10EB95B7}"/>
               </a:ext>
             </a:extLst>
           </p:cNvPr>
@@ -16151,24 +16258,22 @@
         </p:nvSpPr>
         <p:spPr/>
         <p:txBody>
-          <a:bodyPr>
-            <a:normAutofit/>
-          </a:bodyPr>
+          <a:bodyPr/>
           <a:lstStyle/>
           <a:p>
             <a:r>
               <a:rPr lang="en-US" dirty="0"/>
-              <a:t>Standardization of Applications</a:t>
+              <a:t>Areas of Focus and Recommendations</a:t>
             </a:r>
           </a:p>
         </p:txBody>
       </p:sp>
       <p:sp>
         <p:nvSpPr>
-          <p:cNvPr id="3" name="Content Placeholder 2">
+          <p:cNvPr id="3" name="Text Placeholder 2">
             <a:extLst>
               <a:ext uri="{FF2B5EF4-FFF2-40B4-BE49-F238E27FC236}">
-                <a16:creationId xmlns:a16="http://schemas.microsoft.com/office/drawing/2014/main" id="{EBD69B11-5B9C-394B-98B5-E293C22B9C47}"/>
+                <a16:creationId xmlns:a16="http://schemas.microsoft.com/office/drawing/2014/main" id="{776EC9E8-49AF-DC4A-8D10-3417DCF78C78}"/>
               </a:ext>
             </a:extLst>
           </p:cNvPr>
@@ -16176,7 +16281,7 @@
             <a:spLocks noGrp="1"/>
           </p:cNvSpPr>
           <p:nvPr>
-            <p:ph idx="1"/>
+            <p:ph type="body" idx="1"/>
           </p:nvPr>
         </p:nvSpPr>
         <p:spPr/>
@@ -16184,29 +16289,14 @@
           <a:bodyPr/>
           <a:lstStyle/>
           <a:p>
-            <a:r>
-              <a:rPr lang="en-US" dirty="0"/>
-              <a:t>SAS solutions all over the board</a:t>
-            </a:r>
-          </a:p>
-          <a:p>
-            <a:r>
-              <a:rPr lang="en-US" dirty="0"/>
-              <a:t>Internally hosted and not part of companies core competencies</a:t>
-            </a:r>
-          </a:p>
-          <a:p>
-            <a:r>
-              <a:rPr lang="en-US" dirty="0"/>
-              <a:t>Localization has been abused</a:t>
-            </a:r>
+            <a:endParaRPr lang="en-US"/>
           </a:p>
         </p:txBody>
       </p:sp>
     </p:spTree>
     <p:extLst>
       <p:ext uri="{BB962C8B-B14F-4D97-AF65-F5344CB8AC3E}">
-        <p14:creationId xmlns:p14="http://schemas.microsoft.com/office/powerpoint/2010/main" val="4215048047"/>
+        <p14:creationId xmlns:p14="http://schemas.microsoft.com/office/powerpoint/2010/main" val="2606903314"/>
       </p:ext>
     </p:extLst>
   </p:cSld>
@@ -16238,7 +16328,7 @@
           <p:cNvPr id="2" name="Title 1">
             <a:extLst>
               <a:ext uri="{FF2B5EF4-FFF2-40B4-BE49-F238E27FC236}">
-                <a16:creationId xmlns:a16="http://schemas.microsoft.com/office/drawing/2014/main" id="{8E2FD3A4-7AAA-1642-A8D6-CEF927FB8F50}"/>
+                <a16:creationId xmlns:a16="http://schemas.microsoft.com/office/drawing/2014/main" id="{61D32DA8-841D-C341-8345-9340D232D6C3}"/>
               </a:ext>
             </a:extLst>
           </p:cNvPr>
@@ -16251,14 +16341,12 @@
         </p:nvSpPr>
         <p:spPr/>
         <p:txBody>
-          <a:bodyPr>
-            <a:normAutofit/>
-          </a:bodyPr>
+          <a:bodyPr/>
           <a:lstStyle/>
           <a:p>
             <a:r>
               <a:rPr lang="en-US" dirty="0"/>
-              <a:t>Standardization of Infrastructure</a:t>
+              <a:t>Security Tech Debt</a:t>
             </a:r>
           </a:p>
         </p:txBody>
@@ -16268,7 +16356,7 @@
           <p:cNvPr id="3" name="Content Placeholder 2">
             <a:extLst>
               <a:ext uri="{FF2B5EF4-FFF2-40B4-BE49-F238E27FC236}">
-                <a16:creationId xmlns:a16="http://schemas.microsoft.com/office/drawing/2014/main" id="{1A41A496-5EF3-1740-91E7-59928A3013D2}"/>
+                <a16:creationId xmlns:a16="http://schemas.microsoft.com/office/drawing/2014/main" id="{EBD69B11-5B9C-394B-98B5-E293C22B9C47}"/>
               </a:ext>
             </a:extLst>
           </p:cNvPr>
@@ -16281,38 +16369,34 @@
         </p:nvSpPr>
         <p:spPr/>
         <p:txBody>
-          <a:bodyPr/>
+          <a:bodyPr>
+            <a:normAutofit/>
+          </a:bodyPr>
           <a:lstStyle/>
           <a:p>
             <a:r>
-              <a:rPr lang="en-US" dirty="0"/>
-              <a:t>Physical hardware vs Cloud Strategy</a:t>
+              <a:rPr lang="en-US" sz="2400" dirty="0"/>
+              <a:t>CMDB for inventory</a:t>
             </a:r>
           </a:p>
           <a:p>
             <a:r>
-              <a:rPr lang="en-US" dirty="0"/>
-              <a:t>Developer/Desktop builds and support</a:t>
+              <a:rPr lang="en-US" sz="2400" dirty="0"/>
+              <a:t>Patch automation</a:t>
             </a:r>
           </a:p>
           <a:p>
             <a:r>
-              <a:rPr lang="en-US" dirty="0"/>
-              <a:t>BYOD policy</a:t>
+              <a:rPr lang="en-US" sz="2400" dirty="0"/>
+              <a:t>EOL infrastructure remediation plan</a:t>
             </a:r>
-          </a:p>
-          <a:p>
-            <a:endParaRPr lang="en-US" dirty="0"/>
-          </a:p>
-          <a:p>
-            <a:endParaRPr lang="en-US" dirty="0"/>
           </a:p>
         </p:txBody>
       </p:sp>
     </p:spTree>
     <p:extLst>
       <p:ext uri="{BB962C8B-B14F-4D97-AF65-F5344CB8AC3E}">
-        <p14:creationId xmlns:p14="http://schemas.microsoft.com/office/powerpoint/2010/main" val="2874524848"/>
+        <p14:creationId xmlns:p14="http://schemas.microsoft.com/office/powerpoint/2010/main" val="2052733575"/>
       </p:ext>
     </p:extLst>
   </p:cSld>
@@ -16364,7 +16448,7 @@
           <a:p>
             <a:r>
               <a:rPr lang="en-US" dirty="0"/>
-              <a:t>Integration and Automation of Core Business</a:t>
+              <a:t>Standardization of Applications</a:t>
             </a:r>
           </a:p>
         </p:txBody>
@@ -16387,36 +16471,26 @@
         </p:nvSpPr>
         <p:spPr/>
         <p:txBody>
-          <a:bodyPr/>
+          <a:bodyPr>
+            <a:normAutofit/>
+          </a:bodyPr>
           <a:lstStyle/>
           <a:p>
             <a:r>
-              <a:rPr lang="en-US" dirty="0"/>
-              <a:t>Core functionality not enumerated or protected</a:t>
+              <a:rPr lang="en-US" sz="2400" dirty="0"/>
+              <a:t>SAS solutions all over the board</a:t>
             </a:r>
           </a:p>
           <a:p>
             <a:r>
-              <a:rPr lang="en-US" dirty="0" err="1"/>
-              <a:t>Logisuite</a:t>
+              <a:rPr lang="en-US" sz="2400" dirty="0"/>
+              <a:t>Internally hosted and not part of companies core competencies</a:t>
             </a:r>
+          </a:p>
+          <a:p>
             <a:r>
-              <a:rPr lang="en-US" dirty="0"/>
-              <a:t> and </a:t>
-            </a:r>
-            <a:r>
-              <a:rPr lang="en-US" dirty="0" err="1"/>
-              <a:t>RouteSim</a:t>
-            </a:r>
-            <a:r>
-              <a:rPr lang="en-US" dirty="0"/>
-              <a:t> disconnected and out of date</a:t>
-            </a:r>
-          </a:p>
-          <a:p>
-            <a:r>
-              <a:rPr lang="en-US" dirty="0"/>
-              <a:t>Business Continuity due to disaster is unlikely</a:t>
+              <a:rPr lang="en-US" sz="2400" dirty="0"/>
+              <a:t>Localization has been abused</a:t>
             </a:r>
           </a:p>
         </p:txBody>
@@ -16424,7 +16498,7 @@
     </p:spTree>
     <p:extLst>
       <p:ext uri="{BB962C8B-B14F-4D97-AF65-F5344CB8AC3E}">
-        <p14:creationId xmlns:p14="http://schemas.microsoft.com/office/powerpoint/2010/main" val="127571081"/>
+        <p14:creationId xmlns:p14="http://schemas.microsoft.com/office/powerpoint/2010/main" val="4215048047"/>
       </p:ext>
     </p:extLst>
   </p:cSld>
@@ -16456,7 +16530,7 @@
           <p:cNvPr id="2" name="Title 1">
             <a:extLst>
               <a:ext uri="{FF2B5EF4-FFF2-40B4-BE49-F238E27FC236}">
-                <a16:creationId xmlns:a16="http://schemas.microsoft.com/office/drawing/2014/main" id="{61D32DA8-841D-C341-8345-9340D232D6C3}"/>
+                <a16:creationId xmlns:a16="http://schemas.microsoft.com/office/drawing/2014/main" id="{8E2FD3A4-7AAA-1642-A8D6-CEF927FB8F50}"/>
               </a:ext>
             </a:extLst>
           </p:cNvPr>
@@ -16476,7 +16550,7 @@
           <a:p>
             <a:r>
               <a:rPr lang="en-US" dirty="0"/>
-              <a:t>Communication -  Capacity and Growth</a:t>
+              <a:t>Standardization of Infrastructure</a:t>
             </a:r>
           </a:p>
         </p:txBody>
@@ -16486,7 +16560,7 @@
           <p:cNvPr id="3" name="Content Placeholder 2">
             <a:extLst>
               <a:ext uri="{FF2B5EF4-FFF2-40B4-BE49-F238E27FC236}">
-                <a16:creationId xmlns:a16="http://schemas.microsoft.com/office/drawing/2014/main" id="{EBD69B11-5B9C-394B-98B5-E293C22B9C47}"/>
+                <a16:creationId xmlns:a16="http://schemas.microsoft.com/office/drawing/2014/main" id="{1A41A496-5EF3-1740-91E7-59928A3013D2}"/>
               </a:ext>
             </a:extLst>
           </p:cNvPr>
@@ -16503,22 +16577,29 @@
           <a:lstStyle/>
           <a:p>
             <a:r>
-              <a:rPr lang="en-US" dirty="0"/>
-              <a:t>PBX/WAN modernization</a:t>
+              <a:rPr lang="en-US" sz="2400" dirty="0"/>
+              <a:t>Physical hardware vs Cloud Strategy</a:t>
             </a:r>
           </a:p>
           <a:p>
             <a:r>
-              <a:rPr lang="en-US" dirty="0"/>
-              <a:t>Collaboration tools</a:t>
+              <a:rPr lang="en-US" sz="2400" dirty="0"/>
+              <a:t>Developer/Desktop builds and support</a:t>
             </a:r>
+          </a:p>
+          <a:p>
+            <a:r>
+              <a:rPr lang="en-US" sz="2400" dirty="0"/>
+              <a:t>BYOD policy</a:t>
+            </a:r>
+            <a:endParaRPr lang="en-US" dirty="0"/>
           </a:p>
         </p:txBody>
       </p:sp>
     </p:spTree>
     <p:extLst>
       <p:ext uri="{BB962C8B-B14F-4D97-AF65-F5344CB8AC3E}">
-        <p14:creationId xmlns:p14="http://schemas.microsoft.com/office/powerpoint/2010/main" val="1044290334"/>
+        <p14:creationId xmlns:p14="http://schemas.microsoft.com/office/powerpoint/2010/main" val="2874524848"/>
       </p:ext>
     </p:extLst>
   </p:cSld>
@@ -16570,7 +16651,7 @@
           <a:p>
             <a:r>
               <a:rPr lang="en-US" dirty="0"/>
-              <a:t>Internal Controls and Audits</a:t>
+              <a:t>Integration and Automation of Core Business</a:t>
             </a:r>
           </a:p>
         </p:txBody>
@@ -16593,18 +16674,38 @@
         </p:nvSpPr>
         <p:spPr/>
         <p:txBody>
-          <a:bodyPr/>
+          <a:bodyPr>
+            <a:normAutofit/>
+          </a:bodyPr>
           <a:lstStyle/>
           <a:p>
             <a:r>
-              <a:rPr lang="en-US" dirty="0"/>
-              <a:t>Financial Audit</a:t>
+              <a:rPr lang="en-US" sz="2400" dirty="0"/>
+              <a:t>Core functionality not enumerated or protected</a:t>
             </a:r>
           </a:p>
           <a:p>
             <a:r>
-              <a:rPr lang="en-US" dirty="0"/>
-              <a:t>Separation of Roles and Responsibilities </a:t>
+              <a:rPr lang="en-US" sz="2400" dirty="0" err="1"/>
+              <a:t>Logisuite</a:t>
+            </a:r>
+            <a:r>
+              <a:rPr lang="en-US" sz="2400" dirty="0"/>
+              <a:t> and </a:t>
+            </a:r>
+            <a:r>
+              <a:rPr lang="en-US" sz="2400" dirty="0" err="1"/>
+              <a:t>RouteSim</a:t>
+            </a:r>
+            <a:r>
+              <a:rPr lang="en-US" sz="2400" dirty="0"/>
+              <a:t> disconnected and out of date</a:t>
+            </a:r>
+          </a:p>
+          <a:p>
+            <a:r>
+              <a:rPr lang="en-US" sz="2400" dirty="0"/>
+              <a:t>Business Continuity due to disaster is unlikely</a:t>
             </a:r>
           </a:p>
         </p:txBody>
@@ -16612,7 +16713,7 @@
     </p:spTree>
     <p:extLst>
       <p:ext uri="{BB962C8B-B14F-4D97-AF65-F5344CB8AC3E}">
-        <p14:creationId xmlns:p14="http://schemas.microsoft.com/office/powerpoint/2010/main" val="2380531422"/>
+        <p14:creationId xmlns:p14="http://schemas.microsoft.com/office/powerpoint/2010/main" val="127571081"/>
       </p:ext>
     </p:extLst>
   </p:cSld>
@@ -16644,7 +16745,7 @@
           <p:cNvPr id="2" name="Title 1">
             <a:extLst>
               <a:ext uri="{FF2B5EF4-FFF2-40B4-BE49-F238E27FC236}">
-                <a16:creationId xmlns:a16="http://schemas.microsoft.com/office/drawing/2014/main" id="{F41AB03E-EE8F-D64D-9CA4-D30E10EB95B7}"/>
+                <a16:creationId xmlns:a16="http://schemas.microsoft.com/office/drawing/2014/main" id="{61D32DA8-841D-C341-8345-9340D232D6C3}"/>
               </a:ext>
             </a:extLst>
           </p:cNvPr>
@@ -16657,22 +16758,24 @@
         </p:nvSpPr>
         <p:spPr/>
         <p:txBody>
-          <a:bodyPr/>
+          <a:bodyPr>
+            <a:normAutofit/>
+          </a:bodyPr>
           <a:lstStyle/>
           <a:p>
             <a:r>
               <a:rPr lang="en-US" dirty="0"/>
-              <a:t>Implementation and Timeline</a:t>
+              <a:t>Communication -  Capacity and Growth</a:t>
             </a:r>
           </a:p>
         </p:txBody>
       </p:sp>
       <p:sp>
         <p:nvSpPr>
-          <p:cNvPr id="3" name="Text Placeholder 2">
+          <p:cNvPr id="3" name="Content Placeholder 2">
             <a:extLst>
               <a:ext uri="{FF2B5EF4-FFF2-40B4-BE49-F238E27FC236}">
-                <a16:creationId xmlns:a16="http://schemas.microsoft.com/office/drawing/2014/main" id="{776EC9E8-49AF-DC4A-8D10-3417DCF78C78}"/>
+                <a16:creationId xmlns:a16="http://schemas.microsoft.com/office/drawing/2014/main" id="{EBD69B11-5B9C-394B-98B5-E293C22B9C47}"/>
               </a:ext>
             </a:extLst>
           </p:cNvPr>
@@ -16680,22 +16783,33 @@
             <a:spLocks noGrp="1"/>
           </p:cNvSpPr>
           <p:nvPr>
-            <p:ph type="body" idx="1"/>
+            <p:ph idx="1"/>
           </p:nvPr>
         </p:nvSpPr>
         <p:spPr/>
         <p:txBody>
-          <a:bodyPr/>
+          <a:bodyPr>
+            <a:normAutofit/>
+          </a:bodyPr>
           <a:lstStyle/>
           <a:p>
-            <a:endParaRPr lang="en-US"/>
+            <a:r>
+              <a:rPr lang="en-US" sz="2400" dirty="0"/>
+              <a:t>PBX/WAN modernization</a:t>
+            </a:r>
+          </a:p>
+          <a:p>
+            <a:r>
+              <a:rPr lang="en-US" sz="2400" dirty="0"/>
+              <a:t>Collaboration tools</a:t>
+            </a:r>
           </a:p>
         </p:txBody>
       </p:sp>
     </p:spTree>
     <p:extLst>
       <p:ext uri="{BB962C8B-B14F-4D97-AF65-F5344CB8AC3E}">
-        <p14:creationId xmlns:p14="http://schemas.microsoft.com/office/powerpoint/2010/main" val="4247452989"/>
+        <p14:creationId xmlns:p14="http://schemas.microsoft.com/office/powerpoint/2010/main" val="1044290334"/>
       </p:ext>
     </p:extLst>
   </p:cSld>
@@ -16747,7 +16861,7 @@
           <a:p>
             <a:r>
               <a:rPr lang="en-US" dirty="0"/>
-              <a:t>Initial Focus - Sydney</a:t>
+              <a:t>Internal Controls and Audits</a:t>
             </a:r>
           </a:p>
         </p:txBody>
@@ -16770,45 +16884,28 @@
         </p:nvSpPr>
         <p:spPr/>
         <p:txBody>
-          <a:bodyPr/>
+          <a:bodyPr>
+            <a:normAutofit/>
+          </a:bodyPr>
           <a:lstStyle/>
           <a:p>
             <a:r>
-              <a:rPr lang="en-US" dirty="0"/>
-              <a:t>First modernization to be done on Sydney Office.  </a:t>
+              <a:rPr lang="en-US" sz="2400" dirty="0"/>
+              <a:t>Financial Audit</a:t>
             </a:r>
           </a:p>
           <a:p>
             <a:r>
-              <a:rPr lang="en-US" dirty="0"/>
-              <a:t>Long term plan in region</a:t>
+              <a:rPr lang="en-US" sz="2400" dirty="0"/>
+              <a:t>Separation of Roles and Responsibilities </a:t>
             </a:r>
-          </a:p>
-          <a:p>
-            <a:r>
-              <a:rPr lang="en-US" dirty="0"/>
-              <a:t>Small enough to allow for best practices to emerge</a:t>
-            </a:r>
-          </a:p>
-          <a:p>
-            <a:r>
-              <a:rPr lang="en-US" dirty="0" err="1"/>
-              <a:t>Timezone</a:t>
-            </a:r>
-            <a:r>
-              <a:rPr lang="en-US" dirty="0"/>
-              <a:t> difference allows for business hour communications as well as minimally impacting off hour installs.</a:t>
-            </a:r>
-          </a:p>
-          <a:p>
-            <a:endParaRPr lang="en-US" dirty="0"/>
           </a:p>
         </p:txBody>
       </p:sp>
     </p:spTree>
     <p:extLst>
       <p:ext uri="{BB962C8B-B14F-4D97-AF65-F5344CB8AC3E}">
-        <p14:creationId xmlns:p14="http://schemas.microsoft.com/office/powerpoint/2010/main" val="3452456416"/>
+        <p14:creationId xmlns:p14="http://schemas.microsoft.com/office/powerpoint/2010/main" val="2380531422"/>
       </p:ext>
     </p:extLst>
   </p:cSld>
@@ -16840,7 +16937,7 @@
           <p:cNvPr id="2" name="Title 1">
             <a:extLst>
               <a:ext uri="{FF2B5EF4-FFF2-40B4-BE49-F238E27FC236}">
-                <a16:creationId xmlns:a16="http://schemas.microsoft.com/office/drawing/2014/main" id="{61D32DA8-841D-C341-8345-9340D232D6C3}"/>
+                <a16:creationId xmlns:a16="http://schemas.microsoft.com/office/drawing/2014/main" id="{F41AB03E-EE8F-D64D-9CA4-D30E10EB95B7}"/>
               </a:ext>
             </a:extLst>
           </p:cNvPr>
@@ -16853,24 +16950,22 @@
         </p:nvSpPr>
         <p:spPr/>
         <p:txBody>
-          <a:bodyPr>
-            <a:normAutofit/>
-          </a:bodyPr>
+          <a:bodyPr/>
           <a:lstStyle/>
           <a:p>
             <a:r>
               <a:rPr lang="en-US" dirty="0"/>
-              <a:t>Global Dissemination</a:t>
+              <a:t>Implementation and Timeline</a:t>
             </a:r>
           </a:p>
         </p:txBody>
       </p:sp>
       <p:sp>
         <p:nvSpPr>
-          <p:cNvPr id="3" name="Content Placeholder 2">
+          <p:cNvPr id="3" name="Text Placeholder 2">
             <a:extLst>
               <a:ext uri="{FF2B5EF4-FFF2-40B4-BE49-F238E27FC236}">
-                <a16:creationId xmlns:a16="http://schemas.microsoft.com/office/drawing/2014/main" id="{EBD69B11-5B9C-394B-98B5-E293C22B9C47}"/>
+                <a16:creationId xmlns:a16="http://schemas.microsoft.com/office/drawing/2014/main" id="{776EC9E8-49AF-DC4A-8D10-3417DCF78C78}"/>
               </a:ext>
             </a:extLst>
           </p:cNvPr>
@@ -16878,7 +16973,7 @@
             <a:spLocks noGrp="1"/>
           </p:cNvSpPr>
           <p:nvPr>
-            <p:ph idx="1"/>
+            <p:ph type="body" idx="1"/>
           </p:nvPr>
         </p:nvSpPr>
         <p:spPr/>
@@ -16886,38 +16981,14 @@
           <a:bodyPr/>
           <a:lstStyle/>
           <a:p>
-            <a:r>
-              <a:rPr lang="en-US" dirty="0"/>
-              <a:t>As best practices emerge, spin off multi-month or less initiatives out to other campuses.</a:t>
-            </a:r>
-          </a:p>
-          <a:p>
-            <a:r>
-              <a:rPr lang="en-US" dirty="0"/>
-              <a:t>Allows for quarterly budgeting and allocations.</a:t>
-            </a:r>
-          </a:p>
-          <a:p>
-            <a:r>
-              <a:rPr lang="en-US" dirty="0"/>
-              <a:t>Can establish a strategy of international rotations within staff.</a:t>
-            </a:r>
-          </a:p>
-          <a:p>
-            <a:endParaRPr lang="en-US" dirty="0"/>
-          </a:p>
-          <a:p>
-            <a:endParaRPr lang="en-US" dirty="0"/>
-          </a:p>
-          <a:p>
-            <a:endParaRPr lang="en-US" dirty="0"/>
+            <a:endParaRPr lang="en-US"/>
           </a:p>
         </p:txBody>
       </p:sp>
     </p:spTree>
     <p:extLst>
       <p:ext uri="{BB962C8B-B14F-4D97-AF65-F5344CB8AC3E}">
-        <p14:creationId xmlns:p14="http://schemas.microsoft.com/office/powerpoint/2010/main" val="727779752"/>
+        <p14:creationId xmlns:p14="http://schemas.microsoft.com/office/powerpoint/2010/main" val="4247452989"/>
       </p:ext>
     </p:extLst>
   </p:cSld>
@@ -17010,6 +17081,219 @@
 </p:sld>
 </file>
 
+<file path=ppt/slides/slide20.xml><?xml version="1.0" encoding="utf-8"?>
+<p:sld xmlns:a="http://schemas.openxmlformats.org/drawingml/2006/main" xmlns:r="http://schemas.openxmlformats.org/officeDocument/2006/relationships" xmlns:p="http://schemas.openxmlformats.org/presentationml/2006/main">
+  <p:cSld>
+    <p:spTree>
+      <p:nvGrpSpPr>
+        <p:cNvPr id="1" name=""/>
+        <p:cNvGrpSpPr/>
+        <p:nvPr/>
+      </p:nvGrpSpPr>
+      <p:grpSpPr>
+        <a:xfrm>
+          <a:off x="0" y="0"/>
+          <a:ext cx="0" cy="0"/>
+          <a:chOff x="0" y="0"/>
+          <a:chExt cx="0" cy="0"/>
+        </a:xfrm>
+      </p:grpSpPr>
+      <p:sp>
+        <p:nvSpPr>
+          <p:cNvPr id="2" name="Title 1">
+            <a:extLst>
+              <a:ext uri="{FF2B5EF4-FFF2-40B4-BE49-F238E27FC236}">
+                <a16:creationId xmlns:a16="http://schemas.microsoft.com/office/drawing/2014/main" id="{61D32DA8-841D-C341-8345-9340D232D6C3}"/>
+              </a:ext>
+            </a:extLst>
+          </p:cNvPr>
+          <p:cNvSpPr>
+            <a:spLocks noGrp="1"/>
+          </p:cNvSpPr>
+          <p:nvPr>
+            <p:ph type="title"/>
+          </p:nvPr>
+        </p:nvSpPr>
+        <p:spPr/>
+        <p:txBody>
+          <a:bodyPr>
+            <a:normAutofit/>
+          </a:bodyPr>
+          <a:lstStyle/>
+          <a:p>
+            <a:r>
+              <a:rPr lang="en-US" dirty="0"/>
+              <a:t>Initial Focus - Sydney</a:t>
+            </a:r>
+          </a:p>
+        </p:txBody>
+      </p:sp>
+      <p:sp>
+        <p:nvSpPr>
+          <p:cNvPr id="3" name="Content Placeholder 2">
+            <a:extLst>
+              <a:ext uri="{FF2B5EF4-FFF2-40B4-BE49-F238E27FC236}">
+                <a16:creationId xmlns:a16="http://schemas.microsoft.com/office/drawing/2014/main" id="{EBD69B11-5B9C-394B-98B5-E293C22B9C47}"/>
+              </a:ext>
+            </a:extLst>
+          </p:cNvPr>
+          <p:cNvSpPr>
+            <a:spLocks noGrp="1"/>
+          </p:cNvSpPr>
+          <p:nvPr>
+            <p:ph idx="1"/>
+          </p:nvPr>
+        </p:nvSpPr>
+        <p:spPr/>
+        <p:txBody>
+          <a:bodyPr>
+            <a:normAutofit/>
+          </a:bodyPr>
+          <a:lstStyle/>
+          <a:p>
+            <a:r>
+              <a:rPr lang="en-US" sz="2400" dirty="0"/>
+              <a:t>First modernization to be done on Sydney Office.  </a:t>
+            </a:r>
+          </a:p>
+          <a:p>
+            <a:r>
+              <a:rPr lang="en-US" sz="2400" dirty="0"/>
+              <a:t>Long term plan in region</a:t>
+            </a:r>
+          </a:p>
+          <a:p>
+            <a:r>
+              <a:rPr lang="en-US" sz="2400" dirty="0"/>
+              <a:t>Small enough to allow for best practices to emerge</a:t>
+            </a:r>
+          </a:p>
+          <a:p>
+            <a:r>
+              <a:rPr lang="en-US" sz="2400" dirty="0"/>
+              <a:t>Time zone difference allows for communications during workday overlap as well as minimally impacting off hour installs.</a:t>
+            </a:r>
+          </a:p>
+          <a:p>
+            <a:endParaRPr lang="en-US" sz="2400" dirty="0"/>
+          </a:p>
+        </p:txBody>
+      </p:sp>
+    </p:spTree>
+    <p:extLst>
+      <p:ext uri="{BB962C8B-B14F-4D97-AF65-F5344CB8AC3E}">
+        <p14:creationId xmlns:p14="http://schemas.microsoft.com/office/powerpoint/2010/main" val="3452456416"/>
+      </p:ext>
+    </p:extLst>
+  </p:cSld>
+  <p:clrMapOvr>
+    <a:masterClrMapping/>
+  </p:clrMapOvr>
+</p:sld>
+</file>
+
+<file path=ppt/slides/slide21.xml><?xml version="1.0" encoding="utf-8"?>
+<p:sld xmlns:a="http://schemas.openxmlformats.org/drawingml/2006/main" xmlns:r="http://schemas.openxmlformats.org/officeDocument/2006/relationships" xmlns:p="http://schemas.openxmlformats.org/presentationml/2006/main">
+  <p:cSld>
+    <p:spTree>
+      <p:nvGrpSpPr>
+        <p:cNvPr id="1" name=""/>
+        <p:cNvGrpSpPr/>
+        <p:nvPr/>
+      </p:nvGrpSpPr>
+      <p:grpSpPr>
+        <a:xfrm>
+          <a:off x="0" y="0"/>
+          <a:ext cx="0" cy="0"/>
+          <a:chOff x="0" y="0"/>
+          <a:chExt cx="0" cy="0"/>
+        </a:xfrm>
+      </p:grpSpPr>
+      <p:sp>
+        <p:nvSpPr>
+          <p:cNvPr id="2" name="Title 1">
+            <a:extLst>
+              <a:ext uri="{FF2B5EF4-FFF2-40B4-BE49-F238E27FC236}">
+                <a16:creationId xmlns:a16="http://schemas.microsoft.com/office/drawing/2014/main" id="{61D32DA8-841D-C341-8345-9340D232D6C3}"/>
+              </a:ext>
+            </a:extLst>
+          </p:cNvPr>
+          <p:cNvSpPr>
+            <a:spLocks noGrp="1"/>
+          </p:cNvSpPr>
+          <p:nvPr>
+            <p:ph type="title"/>
+          </p:nvPr>
+        </p:nvSpPr>
+        <p:spPr/>
+        <p:txBody>
+          <a:bodyPr>
+            <a:normAutofit/>
+          </a:bodyPr>
+          <a:lstStyle/>
+          <a:p>
+            <a:r>
+              <a:rPr lang="en-US" dirty="0"/>
+              <a:t>Global Dissemination</a:t>
+            </a:r>
+          </a:p>
+        </p:txBody>
+      </p:sp>
+      <p:sp>
+        <p:nvSpPr>
+          <p:cNvPr id="3" name="Content Placeholder 2">
+            <a:extLst>
+              <a:ext uri="{FF2B5EF4-FFF2-40B4-BE49-F238E27FC236}">
+                <a16:creationId xmlns:a16="http://schemas.microsoft.com/office/drawing/2014/main" id="{EBD69B11-5B9C-394B-98B5-E293C22B9C47}"/>
+              </a:ext>
+            </a:extLst>
+          </p:cNvPr>
+          <p:cNvSpPr>
+            <a:spLocks noGrp="1"/>
+          </p:cNvSpPr>
+          <p:nvPr>
+            <p:ph idx="1"/>
+          </p:nvPr>
+        </p:nvSpPr>
+        <p:spPr/>
+        <p:txBody>
+          <a:bodyPr>
+            <a:normAutofit/>
+          </a:bodyPr>
+          <a:lstStyle/>
+          <a:p>
+            <a:r>
+              <a:rPr lang="en-US" sz="2400" dirty="0"/>
+              <a:t>As best practices emerge, spin off multi-month or less initiatives out to other campuses.</a:t>
+            </a:r>
+          </a:p>
+          <a:p>
+            <a:r>
+              <a:rPr lang="en-US" sz="2400" dirty="0"/>
+              <a:t>Allows for quarterly budgeting and allocations.</a:t>
+            </a:r>
+          </a:p>
+          <a:p>
+            <a:r>
+              <a:rPr lang="en-US" sz="2400" dirty="0"/>
+              <a:t>Can establish a strategy of international rotations within staff.</a:t>
+            </a:r>
+          </a:p>
+        </p:txBody>
+      </p:sp>
+    </p:spTree>
+    <p:extLst>
+      <p:ext uri="{BB962C8B-B14F-4D97-AF65-F5344CB8AC3E}">
+        <p14:creationId xmlns:p14="http://schemas.microsoft.com/office/powerpoint/2010/main" val="727779752"/>
+      </p:ext>
+    </p:extLst>
+  </p:cSld>
+  <p:clrMapOvr>
+    <a:masterClrMapping/>
+  </p:clrMapOvr>
+</p:sld>
+</file>
+
 <file path=ppt/slides/slide3.xml><?xml version="1.0" encoding="utf-8"?>
 <p:sld xmlns:a="http://schemas.openxmlformats.org/drawingml/2006/main" xmlns:r="http://schemas.openxmlformats.org/officeDocument/2006/relationships" xmlns:p="http://schemas.openxmlformats.org/presentationml/2006/main">
   <p:cSld>
@@ -17052,15 +17336,7 @@
           <a:p>
             <a:r>
               <a:rPr lang="en-US" sz="2800" dirty="0"/>
-              <a:t>Integrated Distributors Incorporated (IDI), a </a:t>
-            </a:r>
-            <a:r>
-              <a:rPr lang="en-US" sz="2800" dirty="0" err="1"/>
-              <a:t>publically</a:t>
-            </a:r>
-            <a:r>
-              <a:rPr lang="en-US" sz="2800" dirty="0"/>
-              <a:t> traded company, has its home office located in Billings, Montana </a:t>
+              <a:t>Integrated Distributors Incorporated (IDI), a publicly traded company, has its home office located in Billings, Montana </a:t>
             </a:r>
           </a:p>
         </p:txBody>
@@ -17081,13 +17357,13 @@
             <p:ph idx="1"/>
             <p:extLst>
               <p:ext uri="{D42A27DB-BD31-4B8C-83A1-F6EECF244321}">
-                <p14:modId xmlns:p14="http://schemas.microsoft.com/office/powerpoint/2010/main" val="1372865851"/>
+                <p14:modId xmlns:p14="http://schemas.microsoft.com/office/powerpoint/2010/main" val="4103705563"/>
               </p:ext>
             </p:extLst>
           </p:nvPr>
         </p:nvGraphicFramePr>
         <p:xfrm>
-          <a:off x="5118100" y="803274"/>
+          <a:off x="5021631" y="1390134"/>
           <a:ext cx="6281738" cy="4077731"/>
         </p:xfrm>
         <a:graphic>
@@ -17700,7 +17976,7 @@
         <p:spPr>
           <a:xfrm>
             <a:off x="800100" y="1714500"/>
-            <a:ext cx="10767060" cy="2677656"/>
+            <a:ext cx="10767060" cy="4524315"/>
           </a:xfrm>
           <a:prstGeom prst="rect">
             <a:avLst/>
@@ -17713,353 +17989,66 @@
           <a:lstStyle/>
           <a:p>
             <a:r>
-              <a:rPr lang="en-US" sz="2400" dirty="0"/>
-              <a:t>Lorem ipsum dolor sit </a:t>
+              <a:rPr lang="en-US" sz="2400" b="1" dirty="0"/>
+              <a:t>Assess</a:t>
             </a:r>
-            <a:r>
-              <a:rPr lang="en-US" sz="2400" dirty="0" err="1"/>
-              <a:t>amet</a:t>
-            </a:r>
+          </a:p>
+          <a:p>
             <a:r>
               <a:rPr lang="en-US" sz="2400" dirty="0"/>
-              <a:t>, </a:t>
+              <a:t>Perform census of existing IT infrastructure</a:t>
             </a:r>
-            <a:r>
-              <a:rPr lang="en-US" sz="2400" dirty="0" err="1"/>
-              <a:t>consectetur</a:t>
-            </a:r>
+          </a:p>
+          <a:p>
             <a:r>
               <a:rPr lang="en-US" sz="2400" dirty="0"/>
-              <a:t> </a:t>
+              <a:t>Document workflow processes</a:t>
             </a:r>
+          </a:p>
+          <a:p>
+            <a:endParaRPr lang="en-US" sz="2400" dirty="0"/>
+          </a:p>
+          <a:p>
             <a:r>
-              <a:rPr lang="en-US" sz="2400" dirty="0" err="1"/>
-              <a:t>adipiscing</a:t>
+              <a:rPr lang="en-US" sz="2400" b="1" dirty="0"/>
+              <a:t>Plan</a:t>
             </a:r>
+          </a:p>
+          <a:p>
             <a:r>
               <a:rPr lang="en-US" sz="2400" dirty="0"/>
-              <a:t> </a:t>
+              <a:t>Key IT infrastructure upgrades for modernization/standardization.</a:t>
             </a:r>
-            <a:r>
-              <a:rPr lang="en-US" sz="2400" dirty="0" err="1"/>
-              <a:t>elit</a:t>
-            </a:r>
+          </a:p>
+          <a:p>
             <a:r>
               <a:rPr lang="en-US" sz="2400" dirty="0"/>
-              <a:t>, sed do </a:t>
+              <a:t>Update workflow processes for business continuity/efficiency.</a:t>
             </a:r>
+          </a:p>
+          <a:p>
+            <a:endParaRPr lang="en-US" sz="2400" dirty="0"/>
+          </a:p>
+          <a:p>
             <a:r>
-              <a:rPr lang="en-US" sz="2400" dirty="0" err="1"/>
-              <a:t>eiusmod</a:t>
+              <a:rPr lang="en-US" sz="2400" b="1" dirty="0"/>
+              <a:t>Target</a:t>
             </a:r>
+          </a:p>
+          <a:p>
             <a:r>
               <a:rPr lang="en-US" sz="2400" dirty="0"/>
-              <a:t> </a:t>
+              <a:t>Multi-year implementation to align with depreciation cycle.</a:t>
             </a:r>
-            <a:r>
-              <a:rPr lang="en-US" sz="2400" dirty="0" err="1"/>
-              <a:t>tempor</a:t>
-            </a:r>
+          </a:p>
+          <a:p>
             <a:r>
               <a:rPr lang="en-US" sz="2400" dirty="0"/>
-              <a:t> </a:t>
+              <a:t>Site focused timeline rather than incremental global focus.</a:t>
             </a:r>
-            <a:r>
-              <a:rPr lang="en-US" sz="2400" dirty="0" err="1"/>
-              <a:t>incididunt</a:t>
-            </a:r>
-            <a:r>
-              <a:rPr lang="en-US" sz="2400" dirty="0"/>
-              <a:t> </a:t>
-            </a:r>
-            <a:r>
-              <a:rPr lang="en-US" sz="2400" dirty="0" err="1"/>
-              <a:t>ut</a:t>
-            </a:r>
-            <a:r>
-              <a:rPr lang="en-US" sz="2400" dirty="0"/>
-              <a:t> </a:t>
-            </a:r>
-            <a:r>
-              <a:rPr lang="en-US" sz="2400" dirty="0" err="1"/>
-              <a:t>labore</a:t>
-            </a:r>
-            <a:r>
-              <a:rPr lang="en-US" sz="2400" dirty="0"/>
-              <a:t> et dolore magna </a:t>
-            </a:r>
-            <a:r>
-              <a:rPr lang="en-US" sz="2400" dirty="0" err="1"/>
-              <a:t>aliqua</a:t>
-            </a:r>
-            <a:r>
-              <a:rPr lang="en-US" sz="2400" dirty="0"/>
-              <a:t>. Ut </a:t>
-            </a:r>
-            <a:r>
-              <a:rPr lang="en-US" sz="2400" dirty="0" err="1"/>
-              <a:t>enim</a:t>
-            </a:r>
-            <a:r>
-              <a:rPr lang="en-US" sz="2400" dirty="0"/>
-              <a:t> ad minim </a:t>
-            </a:r>
-            <a:r>
-              <a:rPr lang="en-US" sz="2400" dirty="0" err="1"/>
-              <a:t>veniam</a:t>
-            </a:r>
-            <a:r>
-              <a:rPr lang="en-US" sz="2400" dirty="0"/>
-              <a:t>, </a:t>
-            </a:r>
-            <a:r>
-              <a:rPr lang="en-US" sz="2400" dirty="0" err="1"/>
-              <a:t>quis</a:t>
-            </a:r>
-            <a:r>
-              <a:rPr lang="en-US" sz="2400" dirty="0"/>
-              <a:t> </a:t>
-            </a:r>
-            <a:r>
-              <a:rPr lang="en-US" sz="2400" dirty="0" err="1"/>
-              <a:t>nostrud</a:t>
-            </a:r>
-            <a:r>
-              <a:rPr lang="en-US" sz="2400" dirty="0"/>
-              <a:t> exercitation </a:t>
-            </a:r>
-            <a:r>
-              <a:rPr lang="en-US" sz="2400" dirty="0" err="1"/>
-              <a:t>ullamco</a:t>
-            </a:r>
-            <a:r>
-              <a:rPr lang="en-US" sz="2400" dirty="0"/>
-              <a:t> </a:t>
-            </a:r>
-            <a:r>
-              <a:rPr lang="en-US" sz="2400" dirty="0" err="1"/>
-              <a:t>laboris</a:t>
-            </a:r>
-            <a:r>
-              <a:rPr lang="en-US" sz="2400" dirty="0"/>
-              <a:t> nisi </a:t>
-            </a:r>
-            <a:r>
-              <a:rPr lang="en-US" sz="2400" dirty="0" err="1"/>
-              <a:t>ut</a:t>
-            </a:r>
-            <a:r>
-              <a:rPr lang="en-US" sz="2400" dirty="0"/>
-              <a:t> </a:t>
-            </a:r>
-            <a:r>
-              <a:rPr lang="en-US" sz="2400" dirty="0" err="1"/>
-              <a:t>aliquip</a:t>
-            </a:r>
-            <a:r>
-              <a:rPr lang="en-US" sz="2400" dirty="0"/>
-              <a:t> ex </a:t>
-            </a:r>
-            <a:r>
-              <a:rPr lang="en-US" sz="2400" dirty="0" err="1"/>
-              <a:t>ea</a:t>
-            </a:r>
-            <a:r>
-              <a:rPr lang="en-US" sz="2400" dirty="0"/>
-              <a:t> </a:t>
-            </a:r>
-            <a:r>
-              <a:rPr lang="en-US" sz="2400" dirty="0" err="1"/>
-              <a:t>commodo</a:t>
-            </a:r>
-            <a:r>
-              <a:rPr lang="en-US" sz="2400" dirty="0"/>
-              <a:t> </a:t>
-            </a:r>
-            <a:r>
-              <a:rPr lang="en-US" sz="2400" dirty="0" err="1"/>
-              <a:t>consequat</a:t>
-            </a:r>
-            <a:r>
-              <a:rPr lang="en-US" sz="2400" dirty="0"/>
-              <a:t>. Duis </a:t>
-            </a:r>
-            <a:r>
-              <a:rPr lang="en-US" sz="2400" dirty="0" err="1"/>
-              <a:t>aute</a:t>
-            </a:r>
-            <a:r>
-              <a:rPr lang="en-US" sz="2400" dirty="0"/>
-              <a:t> </a:t>
-            </a:r>
-            <a:r>
-              <a:rPr lang="en-US" sz="2400" dirty="0" err="1"/>
-              <a:t>irure</a:t>
-            </a:r>
-            <a:r>
-              <a:rPr lang="en-US" sz="2400" dirty="0"/>
-              <a:t> dolor in </a:t>
-            </a:r>
-            <a:r>
-              <a:rPr lang="en-US" sz="2400" dirty="0" err="1"/>
-              <a:t>reprehenderit</a:t>
-            </a:r>
-            <a:r>
-              <a:rPr lang="en-US" sz="2400" dirty="0"/>
-              <a:t> in </a:t>
-            </a:r>
-            <a:r>
-              <a:rPr lang="en-US" sz="2400" dirty="0" err="1"/>
-              <a:t>voluptate</a:t>
-            </a:r>
-            <a:r>
-              <a:rPr lang="en-US" sz="2400" dirty="0"/>
-              <a:t> </a:t>
-            </a:r>
-            <a:r>
-              <a:rPr lang="en-US" sz="2400" dirty="0" err="1"/>
-              <a:t>velit</a:t>
-            </a:r>
-            <a:r>
-              <a:rPr lang="en-US" sz="2400" dirty="0"/>
-              <a:t> </a:t>
-            </a:r>
-            <a:r>
-              <a:rPr lang="en-US" sz="2400" dirty="0" err="1"/>
-              <a:t>esse</a:t>
-            </a:r>
-            <a:r>
-              <a:rPr lang="en-US" sz="2400" dirty="0"/>
-              <a:t> </a:t>
-            </a:r>
-            <a:r>
-              <a:rPr lang="en-US" sz="2400" dirty="0" err="1"/>
-              <a:t>cillum</a:t>
-            </a:r>
-            <a:r>
-              <a:rPr lang="en-US" sz="2400" dirty="0"/>
-              <a:t> dolore </a:t>
-            </a:r>
-            <a:r>
-              <a:rPr lang="en-US" sz="2400" dirty="0" err="1"/>
-              <a:t>eu</a:t>
-            </a:r>
-            <a:r>
-              <a:rPr lang="en-US" sz="2400" dirty="0"/>
-              <a:t> </a:t>
-            </a:r>
-            <a:r>
-              <a:rPr lang="en-US" sz="2400" dirty="0" err="1"/>
-              <a:t>fugiat</a:t>
-            </a:r>
-            <a:r>
-              <a:rPr lang="en-US" sz="2400" dirty="0"/>
-              <a:t> </a:t>
-            </a:r>
-            <a:r>
-              <a:rPr lang="en-US" sz="2400" dirty="0" err="1"/>
-              <a:t>nulla</a:t>
-            </a:r>
-            <a:r>
-              <a:rPr lang="en-US" sz="2400" dirty="0"/>
-              <a:t> </a:t>
-            </a:r>
-            <a:r>
-              <a:rPr lang="en-US" sz="2400" dirty="0" err="1"/>
-              <a:t>pariatur</a:t>
-            </a:r>
-            <a:r>
-              <a:rPr lang="en-US" sz="2400" dirty="0"/>
-              <a:t>. </a:t>
-            </a:r>
-            <a:r>
-              <a:rPr lang="en-US" sz="2400" dirty="0" err="1"/>
-              <a:t>Excepteur</a:t>
-            </a:r>
-            <a:r>
-              <a:rPr lang="en-US" sz="2400" dirty="0"/>
-              <a:t> </a:t>
-            </a:r>
-            <a:r>
-              <a:rPr lang="en-US" sz="2400" dirty="0" err="1"/>
-              <a:t>sint</a:t>
-            </a:r>
-            <a:r>
-              <a:rPr lang="en-US" sz="2400" dirty="0"/>
-              <a:t> </a:t>
-            </a:r>
-            <a:r>
-              <a:rPr lang="en-US" sz="2400" dirty="0" err="1"/>
-              <a:t>occaecat</a:t>
-            </a:r>
-            <a:r>
-              <a:rPr lang="en-US" sz="2400" dirty="0"/>
-              <a:t> </a:t>
-            </a:r>
-            <a:r>
-              <a:rPr lang="en-US" sz="2400" dirty="0" err="1"/>
-              <a:t>cupidatat</a:t>
-            </a:r>
-            <a:r>
-              <a:rPr lang="en-US" sz="2400" dirty="0"/>
-              <a:t> non </a:t>
-            </a:r>
-            <a:r>
-              <a:rPr lang="en-US" sz="2400" dirty="0" err="1"/>
-              <a:t>proident</a:t>
-            </a:r>
-            <a:r>
-              <a:rPr lang="en-US" sz="2400" dirty="0"/>
-              <a:t>, sunt in culpa qui </a:t>
-            </a:r>
-            <a:r>
-              <a:rPr lang="en-US" sz="2400" dirty="0" err="1"/>
-              <a:t>officia</a:t>
-            </a:r>
-            <a:r>
-              <a:rPr lang="en-US" sz="2400" dirty="0"/>
-              <a:t> </a:t>
-            </a:r>
-            <a:r>
-              <a:rPr lang="en-US" sz="2400" dirty="0" err="1"/>
-              <a:t>deserunt</a:t>
-            </a:r>
-            <a:r>
-              <a:rPr lang="en-US" sz="2400" dirty="0"/>
-              <a:t> </a:t>
-            </a:r>
-            <a:r>
-              <a:rPr lang="en-US" sz="2400" dirty="0" err="1"/>
-              <a:t>mollit</a:t>
-            </a:r>
-            <a:r>
-              <a:rPr lang="en-US" sz="2400" dirty="0"/>
-              <a:t> </a:t>
-            </a:r>
-            <a:r>
-              <a:rPr lang="en-US" sz="2400" dirty="0" err="1"/>
-              <a:t>anim</a:t>
-            </a:r>
-            <a:r>
-              <a:rPr lang="en-US" sz="2400" dirty="0"/>
-              <a:t> id </a:t>
-            </a:r>
-            <a:r>
-              <a:rPr lang="en-US" sz="2400" dirty="0" err="1"/>
-              <a:t>est</a:t>
-            </a:r>
-            <a:r>
-              <a:rPr lang="en-US" sz="2400" dirty="0"/>
-              <a:t> </a:t>
-            </a:r>
-            <a:r>
-              <a:rPr lang="en-US" sz="2400" dirty="0" err="1"/>
-              <a:t>laborum</a:t>
-            </a:r>
-            <a:r>
-              <a:rPr lang="en-US" sz="2400" dirty="0"/>
-              <a:t>.</a:t>
-            </a:r>
+          </a:p>
+          <a:p>
+            <a:endParaRPr lang="en-US" sz="2400" dirty="0"/>
           </a:p>
         </p:txBody>
       </p:sp>
@@ -18142,7 +18131,13 @@
           <a:bodyPr/>
           <a:lstStyle/>
           <a:p>
-            <a:endParaRPr lang="en-US"/>
+            <a:endParaRPr lang="en-US" dirty="0"/>
+          </a:p>
+          <a:p>
+            <a:r>
+              <a:rPr lang="en-US" dirty="0"/>
+              <a:t>Key Findings Only</a:t>
+            </a:r>
           </a:p>
         </p:txBody>
       </p:sp>
@@ -18199,17 +18194,17 @@
           <a:p>
             <a:r>
               <a:rPr lang="en-US" dirty="0"/>
-              <a:t>Country/Global Breakdown?</a:t>
+              <a:t>US Headquarters</a:t>
             </a:r>
           </a:p>
         </p:txBody>
       </p:sp>
       <p:sp>
         <p:nvSpPr>
-          <p:cNvPr id="3" name="TextBox 2">
+          <p:cNvPr id="5" name="TextBox 4">
             <a:extLst>
               <a:ext uri="{FF2B5EF4-FFF2-40B4-BE49-F238E27FC236}">
-                <a16:creationId xmlns:a16="http://schemas.microsoft.com/office/drawing/2014/main" id="{F57B4781-8186-444F-A46E-55B60A07A5E4}"/>
+                <a16:creationId xmlns:a16="http://schemas.microsoft.com/office/drawing/2014/main" id="{27C25831-5C84-B64F-82E1-11657CC29554}"/>
               </a:ext>
             </a:extLst>
           </p:cNvPr>
@@ -18218,8 +18213,8 @@
         </p:nvSpPr>
         <p:spPr>
           <a:xfrm>
-            <a:off x="6652260" y="2514600"/>
-            <a:ext cx="184731" cy="369332"/>
+            <a:off x="4933507" y="1685320"/>
+            <a:ext cx="6369861" cy="3785652"/>
           </a:xfrm>
           <a:prstGeom prst="rect">
             <a:avLst/>
@@ -18227,375 +18222,117 @@
           <a:noFill/>
         </p:spPr>
         <p:txBody>
-          <a:bodyPr wrap="none" rtlCol="0">
+          <a:bodyPr wrap="square" rtlCol="0">
             <a:spAutoFit/>
           </a:bodyPr>
           <a:lstStyle/>
           <a:p>
-            <a:endParaRPr lang="en-US" dirty="0"/>
-          </a:p>
-        </p:txBody>
-      </p:sp>
-      <p:sp>
-        <p:nvSpPr>
-          <p:cNvPr id="4" name="Rectangle 3">
-            <a:extLst>
-              <a:ext uri="{FF2B5EF4-FFF2-40B4-BE49-F238E27FC236}">
-                <a16:creationId xmlns:a16="http://schemas.microsoft.com/office/drawing/2014/main" id="{FE72408E-4FAB-DA4A-9300-53BA573FFE99}"/>
-              </a:ext>
-            </a:extLst>
-          </p:cNvPr>
-          <p:cNvSpPr/>
-          <p:nvPr/>
-        </p:nvSpPr>
-        <p:spPr>
-          <a:xfrm>
-            <a:off x="5189220" y="1714500"/>
-            <a:ext cx="6377940" cy="2308324"/>
-          </a:xfrm>
-          <a:prstGeom prst="rect">
-            <a:avLst/>
-          </a:prstGeom>
-        </p:spPr>
-        <p:txBody>
-          <a:bodyPr wrap="square">
-            <a:spAutoFit/>
-          </a:bodyPr>
-          <a:lstStyle/>
-          <a:p>
+            <a:pPr marL="342900" indent="-342900">
+              <a:buFont typeface="Arial" panose="020B0604020202020204" pitchFamily="34" charset="0"/>
+              <a:buChar char="•"/>
+            </a:pPr>
             <a:r>
-              <a:rPr lang="en-US" dirty="0"/>
-              <a:t>Lorem ipsum dolor sit </a:t>
+              <a:rPr lang="en-US" sz="2400" dirty="0"/>
+              <a:t>HP-UX server upgrade</a:t>
+            </a:r>
+          </a:p>
+          <a:p>
+            <a:pPr marL="342900" indent="-342900">
+              <a:buFont typeface="Arial" panose="020B0604020202020204" pitchFamily="34" charset="0"/>
+              <a:buChar char="•"/>
+            </a:pPr>
+            <a:r>
+              <a:rPr lang="en-US" sz="2400" dirty="0"/>
+              <a:t>Windows 2003 server upgrade</a:t>
+            </a:r>
+          </a:p>
+          <a:p>
+            <a:pPr marL="342900" indent="-342900">
+              <a:buFont typeface="Arial" panose="020B0604020202020204" pitchFamily="34" charset="0"/>
+              <a:buChar char="•"/>
+            </a:pPr>
+            <a:r>
+              <a:rPr lang="en-US" sz="2400" dirty="0" err="1"/>
+              <a:t>Logisuite</a:t>
             </a:r>
             <a:r>
-              <a:rPr lang="en-US" dirty="0" err="1"/>
-              <a:t>amet</a:t>
+              <a:rPr lang="en-US" sz="2400" dirty="0"/>
+              <a:t> installation End Of Life(EOL)</a:t>
+            </a:r>
+          </a:p>
+          <a:p>
+            <a:pPr marL="342900" indent="-342900">
+              <a:buFont typeface="Arial" panose="020B0604020202020204" pitchFamily="34" charset="0"/>
+              <a:buChar char="•"/>
+            </a:pPr>
+            <a:r>
+              <a:rPr lang="en-US" sz="2400" dirty="0" err="1"/>
+              <a:t>RouteSim</a:t>
             </a:r>
             <a:r>
-              <a:rPr lang="en-US" dirty="0"/>
-              <a:t>, </a:t>
+              <a:rPr lang="en-US" sz="2400" dirty="0"/>
+              <a:t> lack of integration</a:t>
             </a:r>
+          </a:p>
+          <a:p>
+            <a:pPr marL="342900" indent="-342900">
+              <a:buFont typeface="Arial" panose="020B0604020202020204" pitchFamily="34" charset="0"/>
+              <a:buChar char="•"/>
+            </a:pPr>
             <a:r>
-              <a:rPr lang="en-US" dirty="0" err="1"/>
-              <a:t>consectetur</a:t>
+              <a:rPr lang="en-US" sz="2400" dirty="0"/>
+              <a:t>Workstation/Server procurement policy</a:t>
             </a:r>
+          </a:p>
+          <a:p>
+            <a:pPr marL="342900" indent="-342900">
+              <a:buFont typeface="Arial" panose="020B0604020202020204" pitchFamily="34" charset="0"/>
+              <a:buChar char="•"/>
+            </a:pPr>
             <a:r>
-              <a:rPr lang="en-US" dirty="0"/>
-              <a:t> </a:t>
+              <a:rPr lang="en-US" sz="2400" dirty="0"/>
+              <a:t>Office productivity suite integration</a:t>
             </a:r>
+          </a:p>
+          <a:p>
+            <a:pPr marL="342900" indent="-342900">
+              <a:buFont typeface="Arial" panose="020B0604020202020204" pitchFamily="34" charset="0"/>
+              <a:buChar char="•"/>
+            </a:pPr>
             <a:r>
-              <a:rPr lang="en-US" dirty="0" err="1"/>
-              <a:t>adipiscing</a:t>
+              <a:rPr lang="en-US" sz="2400" dirty="0"/>
+              <a:t>Telecommunications installation EOL</a:t>
             </a:r>
+          </a:p>
+          <a:p>
+            <a:pPr marL="342900" indent="-342900">
+              <a:buFont typeface="Arial" panose="020B0604020202020204" pitchFamily="34" charset="0"/>
+              <a:buChar char="•"/>
+            </a:pPr>
             <a:r>
-              <a:rPr lang="en-US" dirty="0"/>
-              <a:t> </a:t>
+              <a:rPr lang="en-US" sz="2400" dirty="0"/>
+              <a:t>Telecommunications lacking features</a:t>
             </a:r>
+          </a:p>
+          <a:p>
+            <a:pPr marL="342900" indent="-342900">
+              <a:buFont typeface="Arial" panose="020B0604020202020204" pitchFamily="34" charset="0"/>
+              <a:buChar char="•"/>
+            </a:pPr>
             <a:r>
-              <a:rPr lang="en-US" dirty="0" err="1"/>
-              <a:t>elit</a:t>
+              <a:rPr lang="en-US" sz="2400" dirty="0"/>
+              <a:t>BYOD policy lacking enforcement</a:t>
             </a:r>
+          </a:p>
+          <a:p>
+            <a:pPr marL="342900" indent="-342900">
+              <a:buFont typeface="Arial" panose="020B0604020202020204" pitchFamily="34" charset="0"/>
+              <a:buChar char="•"/>
+            </a:pPr>
             <a:r>
-              <a:rPr lang="en-US" dirty="0"/>
-              <a:t>, sed do </a:t>
+              <a:rPr lang="en-US" sz="2400" dirty="0"/>
+              <a:t>WAN installation EOL</a:t>
             </a:r>
-            <a:r>
-              <a:rPr lang="en-US" dirty="0" err="1"/>
-              <a:t>eiusmod</a:t>
-            </a:r>
-            <a:r>
-              <a:rPr lang="en-US" dirty="0"/>
-              <a:t> </a:t>
-            </a:r>
-            <a:r>
-              <a:rPr lang="en-US" dirty="0" err="1"/>
-              <a:t>tempor</a:t>
-            </a:r>
-            <a:r>
-              <a:rPr lang="en-US" dirty="0"/>
-              <a:t> </a:t>
-            </a:r>
-            <a:r>
-              <a:rPr lang="en-US" dirty="0" err="1"/>
-              <a:t>incididunt</a:t>
-            </a:r>
-            <a:r>
-              <a:rPr lang="en-US" dirty="0"/>
-              <a:t> </a:t>
-            </a:r>
-            <a:r>
-              <a:rPr lang="en-US" dirty="0" err="1"/>
-              <a:t>ut</a:t>
-            </a:r>
-            <a:r>
-              <a:rPr lang="en-US" dirty="0"/>
-              <a:t> </a:t>
-            </a:r>
-            <a:r>
-              <a:rPr lang="en-US" dirty="0" err="1"/>
-              <a:t>labore</a:t>
-            </a:r>
-            <a:r>
-              <a:rPr lang="en-US" dirty="0"/>
-              <a:t> et dolore magna </a:t>
-            </a:r>
-            <a:r>
-              <a:rPr lang="en-US" dirty="0" err="1"/>
-              <a:t>aliqua</a:t>
-            </a:r>
-            <a:r>
-              <a:rPr lang="en-US" dirty="0"/>
-              <a:t>. </a:t>
-            </a:r>
-            <a:r>
-              <a:rPr lang="en-US" dirty="0" err="1"/>
-              <a:t>Viverra</a:t>
-            </a:r>
-            <a:r>
-              <a:rPr lang="en-US" dirty="0"/>
-              <a:t> ipsum </a:t>
-            </a:r>
-            <a:r>
-              <a:rPr lang="en-US" dirty="0" err="1"/>
-              <a:t>nunc</a:t>
-            </a:r>
-            <a:r>
-              <a:rPr lang="en-US" dirty="0"/>
-              <a:t> </a:t>
-            </a:r>
-            <a:r>
-              <a:rPr lang="en-US" dirty="0" err="1"/>
-              <a:t>aliquet</a:t>
-            </a:r>
-            <a:r>
-              <a:rPr lang="en-US" dirty="0"/>
-              <a:t> </a:t>
-            </a:r>
-            <a:r>
-              <a:rPr lang="en-US" dirty="0" err="1"/>
-              <a:t>bibendum</a:t>
-            </a:r>
-            <a:r>
-              <a:rPr lang="en-US" dirty="0"/>
-              <a:t>. </a:t>
-            </a:r>
-            <a:r>
-              <a:rPr lang="en-US" dirty="0" err="1"/>
-              <a:t>Viverra</a:t>
-            </a:r>
-            <a:r>
-              <a:rPr lang="en-US" dirty="0"/>
-              <a:t> </a:t>
-            </a:r>
-            <a:r>
-              <a:rPr lang="en-US" dirty="0" err="1"/>
-              <a:t>nibh</a:t>
-            </a:r>
-            <a:r>
-              <a:rPr lang="en-US" dirty="0"/>
-              <a:t> </a:t>
-            </a:r>
-            <a:r>
-              <a:rPr lang="en-US" dirty="0" err="1"/>
-              <a:t>cras</a:t>
-            </a:r>
-            <a:r>
-              <a:rPr lang="en-US" dirty="0"/>
-              <a:t> pulvinar </a:t>
-            </a:r>
-            <a:r>
-              <a:rPr lang="en-US" dirty="0" err="1"/>
-              <a:t>mattis</a:t>
-            </a:r>
-            <a:r>
-              <a:rPr lang="en-US" dirty="0"/>
-              <a:t> </a:t>
-            </a:r>
-            <a:r>
-              <a:rPr lang="en-US" dirty="0" err="1"/>
-              <a:t>nunc</a:t>
-            </a:r>
-            <a:r>
-              <a:rPr lang="en-US" dirty="0"/>
-              <a:t> sed </a:t>
-            </a:r>
-            <a:r>
-              <a:rPr lang="en-US" dirty="0" err="1"/>
-              <a:t>blandit</a:t>
-            </a:r>
-            <a:r>
-              <a:rPr lang="en-US" dirty="0"/>
-              <a:t>. </a:t>
-            </a:r>
-            <a:r>
-              <a:rPr lang="en-US" dirty="0" err="1"/>
-              <a:t>Mauris</a:t>
-            </a:r>
-            <a:r>
-              <a:rPr lang="en-US" dirty="0"/>
-              <a:t> </a:t>
-            </a:r>
-            <a:r>
-              <a:rPr lang="en-US" dirty="0" err="1"/>
-              <a:t>pellentesque</a:t>
-            </a:r>
-            <a:r>
-              <a:rPr lang="en-US" dirty="0"/>
-              <a:t> pulvinar </a:t>
-            </a:r>
-            <a:r>
-              <a:rPr lang="en-US" dirty="0" err="1"/>
-              <a:t>pellentesque</a:t>
-            </a:r>
-            <a:r>
-              <a:rPr lang="en-US" dirty="0"/>
-              <a:t> habitant </a:t>
-            </a:r>
-            <a:r>
-              <a:rPr lang="en-US" dirty="0" err="1"/>
-              <a:t>morbi</a:t>
-            </a:r>
-            <a:r>
-              <a:rPr lang="en-US" dirty="0"/>
-              <a:t> </a:t>
-            </a:r>
-            <a:r>
-              <a:rPr lang="en-US" dirty="0" err="1"/>
-              <a:t>tristique</a:t>
-            </a:r>
-            <a:r>
-              <a:rPr lang="en-US" dirty="0"/>
-              <a:t> </a:t>
-            </a:r>
-            <a:r>
-              <a:rPr lang="en-US" dirty="0" err="1"/>
-              <a:t>senectus</a:t>
-            </a:r>
-            <a:r>
-              <a:rPr lang="en-US" dirty="0"/>
-              <a:t> et. </a:t>
-            </a:r>
-            <a:r>
-              <a:rPr lang="en-US" dirty="0" err="1"/>
-              <a:t>Blandit</a:t>
-            </a:r>
-            <a:r>
-              <a:rPr lang="en-US" dirty="0"/>
-              <a:t> </a:t>
-            </a:r>
-            <a:r>
-              <a:rPr lang="en-US" dirty="0" err="1"/>
-              <a:t>volutpat</a:t>
-            </a:r>
-            <a:r>
-              <a:rPr lang="en-US" dirty="0"/>
-              <a:t> </a:t>
-            </a:r>
-            <a:r>
-              <a:rPr lang="en-US" dirty="0" err="1"/>
-              <a:t>maecenas</a:t>
-            </a:r>
-            <a:r>
-              <a:rPr lang="en-US" dirty="0"/>
-              <a:t> </a:t>
-            </a:r>
-            <a:r>
-              <a:rPr lang="en-US" dirty="0" err="1"/>
-              <a:t>volutpat</a:t>
-            </a:r>
-            <a:r>
-              <a:rPr lang="en-US" dirty="0"/>
-              <a:t> </a:t>
-            </a:r>
-            <a:r>
-              <a:rPr lang="en-US" dirty="0" err="1"/>
-              <a:t>blandit</a:t>
-            </a:r>
-            <a:r>
-              <a:rPr lang="en-US" dirty="0"/>
-              <a:t> </a:t>
-            </a:r>
-            <a:r>
-              <a:rPr lang="en-US" dirty="0" err="1"/>
-              <a:t>aliquam</a:t>
-            </a:r>
-            <a:r>
-              <a:rPr lang="en-US" dirty="0"/>
-              <a:t> </a:t>
-            </a:r>
-            <a:r>
-              <a:rPr lang="en-US" dirty="0" err="1"/>
-              <a:t>etiam</a:t>
-            </a:r>
-            <a:r>
-              <a:rPr lang="en-US" dirty="0"/>
-              <a:t> </a:t>
-            </a:r>
-            <a:r>
-              <a:rPr lang="en-US" dirty="0" err="1"/>
-              <a:t>erat</a:t>
-            </a:r>
-            <a:r>
-              <a:rPr lang="en-US" dirty="0"/>
-              <a:t> </a:t>
-            </a:r>
-            <a:r>
-              <a:rPr lang="en-US" dirty="0" err="1"/>
-              <a:t>velit</a:t>
-            </a:r>
-            <a:r>
-              <a:rPr lang="en-US" dirty="0"/>
-              <a:t> </a:t>
-            </a:r>
-            <a:r>
-              <a:rPr lang="en-US" dirty="0" err="1"/>
-              <a:t>scelerisque</a:t>
-            </a:r>
-            <a:r>
-              <a:rPr lang="en-US" dirty="0"/>
-              <a:t>. </a:t>
-            </a:r>
-            <a:r>
-              <a:rPr lang="en-US" dirty="0" err="1"/>
-              <a:t>Etiam</a:t>
-            </a:r>
-            <a:r>
-              <a:rPr lang="en-US" dirty="0"/>
-              <a:t> </a:t>
-            </a:r>
-            <a:r>
-              <a:rPr lang="en-US" dirty="0" err="1"/>
-              <a:t>erat</a:t>
-            </a:r>
-            <a:r>
-              <a:rPr lang="en-US" dirty="0"/>
-              <a:t> </a:t>
-            </a:r>
-            <a:r>
-              <a:rPr lang="en-US" dirty="0" err="1"/>
-              <a:t>velit</a:t>
-            </a:r>
-            <a:r>
-              <a:rPr lang="en-US" dirty="0"/>
-              <a:t> </a:t>
-            </a:r>
-            <a:r>
-              <a:rPr lang="en-US" dirty="0" err="1"/>
-              <a:t>scelerisque</a:t>
-            </a:r>
-            <a:r>
-              <a:rPr lang="en-US" dirty="0"/>
-              <a:t> in dictum non </a:t>
-            </a:r>
-            <a:r>
-              <a:rPr lang="en-US" dirty="0" err="1"/>
-              <a:t>consectetur</a:t>
-            </a:r>
-            <a:r>
-              <a:rPr lang="en-US" dirty="0"/>
-              <a:t> a. </a:t>
-            </a:r>
-            <a:endParaRPr lang="en-US" sz="2400" dirty="0"/>
           </a:p>
         </p:txBody>
       </p:sp>
